--- a/封面设计.pptx
+++ b/封面设计.pptx
@@ -5,17 +5,18 @@
     <p:sldMasterId id="2147483648" r:id="rId1"/>
   </p:sldMasterIdLst>
   <p:notesMasterIdLst>
-    <p:notesMasterId r:id="rId10"/>
+    <p:notesMasterId r:id="rId11"/>
   </p:notesMasterIdLst>
   <p:sldIdLst>
-    <p:sldId id="270" r:id="rId2"/>
-    <p:sldId id="271" r:id="rId3"/>
-    <p:sldId id="266" r:id="rId4"/>
-    <p:sldId id="261" r:id="rId5"/>
-    <p:sldId id="263" r:id="rId6"/>
-    <p:sldId id="262" r:id="rId7"/>
-    <p:sldId id="267" r:id="rId8"/>
-    <p:sldId id="268" r:id="rId9"/>
+    <p:sldId id="271" r:id="rId2"/>
+    <p:sldId id="272" r:id="rId3"/>
+    <p:sldId id="270" r:id="rId4"/>
+    <p:sldId id="266" r:id="rId5"/>
+    <p:sldId id="261" r:id="rId6"/>
+    <p:sldId id="263" r:id="rId7"/>
+    <p:sldId id="262" r:id="rId8"/>
+    <p:sldId id="267" r:id="rId9"/>
+    <p:sldId id="268" r:id="rId10"/>
   </p:sldIdLst>
   <p:sldSz cx="12192000" cy="6858000"/>
   <p:notesSz cx="6858000" cy="9144000"/>
@@ -216,7 +217,7 @@
           <a:p>
             <a:fld id="{F8F26E2C-2C03-4500-B194-870E8A7760FA}" type="datetimeFigureOut">
               <a:rPr lang="zh-CN" altLang="en-US" smtClean="0"/>
-              <a:t>2023/2/10</a:t>
+              <a:t>2023/2/11</a:t>
             </a:fld>
             <a:endParaRPr lang="zh-CN" altLang="en-US"/>
           </a:p>
@@ -564,7 +565,7 @@
     </p:spTree>
     <p:extLst>
       <p:ext uri="{BB962C8B-B14F-4D97-AF65-F5344CB8AC3E}">
-        <p14:creationId xmlns:p14="http://schemas.microsoft.com/office/powerpoint/2010/main" val="1126125653"/>
+        <p14:creationId xmlns:p14="http://schemas.microsoft.com/office/powerpoint/2010/main" val="1126970119"/>
       </p:ext>
     </p:extLst>
   </p:cSld>
@@ -655,7 +656,7 @@
     </p:spTree>
     <p:extLst>
       <p:ext uri="{BB962C8B-B14F-4D97-AF65-F5344CB8AC3E}">
-        <p14:creationId xmlns:p14="http://schemas.microsoft.com/office/powerpoint/2010/main" val="1126970119"/>
+        <p14:creationId xmlns:p14="http://schemas.microsoft.com/office/powerpoint/2010/main" val="588372767"/>
       </p:ext>
     </p:extLst>
   </p:cSld>
@@ -710,14 +711,13 @@
           <a:lstStyle/>
           <a:p>
             <a:r>
-              <a:rPr lang="zh-CN" altLang="en-US" sz="1200" b="1" dirty="0">
-                <a:solidFill>
-                  <a:schemeClr val="bg1"/>
-                </a:solidFill>
-              </a:rPr>
-              <a:t>复合封面</a:t>
-            </a:r>
-            <a:endParaRPr lang="zh-CN" altLang="en-US" dirty="0"/>
+              <a:rPr lang="en-US" altLang="zh-CN" dirty="0"/>
+              <a:t>B</a:t>
+            </a:r>
+            <a:r>
+              <a:rPr lang="zh-CN" altLang="en-US" dirty="0"/>
+              <a:t>站专栏封面模板</a:t>
+            </a:r>
           </a:p>
         </p:txBody>
       </p:sp>
@@ -747,7 +747,7 @@
     </p:spTree>
     <p:extLst>
       <p:ext uri="{BB962C8B-B14F-4D97-AF65-F5344CB8AC3E}">
-        <p14:creationId xmlns:p14="http://schemas.microsoft.com/office/powerpoint/2010/main" val="310974680"/>
+        <p14:creationId xmlns:p14="http://schemas.microsoft.com/office/powerpoint/2010/main" val="1126125653"/>
       </p:ext>
     </p:extLst>
   </p:cSld>
@@ -802,13 +802,14 @@
           <a:lstStyle/>
           <a:p>
             <a:r>
-              <a:rPr lang="en-US" altLang="zh-CN" dirty="0"/>
-              <a:t>B</a:t>
-            </a:r>
-            <a:r>
-              <a:rPr lang="zh-CN" altLang="en-US" dirty="0"/>
-              <a:t>站专栏封面模板</a:t>
-            </a:r>
+              <a:rPr lang="zh-CN" altLang="en-US" sz="1200" b="1" dirty="0">
+                <a:solidFill>
+                  <a:schemeClr val="bg1"/>
+                </a:solidFill>
+              </a:rPr>
+              <a:t>复合封面</a:t>
+            </a:r>
+            <a:endParaRPr lang="zh-CN" altLang="en-US" dirty="0"/>
           </a:p>
         </p:txBody>
       </p:sp>
@@ -838,7 +839,7 @@
     </p:spTree>
     <p:extLst>
       <p:ext uri="{BB962C8B-B14F-4D97-AF65-F5344CB8AC3E}">
-        <p14:creationId xmlns:p14="http://schemas.microsoft.com/office/powerpoint/2010/main" val="1277690592"/>
+        <p14:creationId xmlns:p14="http://schemas.microsoft.com/office/powerpoint/2010/main" val="310974680"/>
       </p:ext>
     </p:extLst>
   </p:cSld>
@@ -892,34 +893,13 @@
           <a:bodyPr/>
           <a:lstStyle/>
           <a:p>
-            <a:pPr marL="0" marR="0" lvl="0" indent="0" algn="l" defTabSz="914400" rtl="0" eaLnBrk="1" fontAlgn="auto" latinLnBrk="0" hangingPunct="1">
-              <a:lnSpc>
-                <a:spcPct val="100000"/>
-              </a:lnSpc>
-              <a:spcBef>
-                <a:spcPts val="0"/>
-              </a:spcBef>
-              <a:spcAft>
-                <a:spcPts val="0"/>
-              </a:spcAft>
-              <a:buClrTx/>
-              <a:buSzTx/>
-              <a:buFontTx/>
-              <a:buNone/>
-              <a:tabLst/>
-              <a:defRPr/>
-            </a:pPr>
-            <a:r>
-              <a:rPr lang="zh-CN" altLang="en-US" sz="1200" b="0" dirty="0">
-                <a:solidFill>
-                  <a:schemeClr val="bg1"/>
-                </a:solidFill>
-              </a:rPr>
-              <a:t>博客封面</a:t>
+            <a:r>
+              <a:rPr lang="en-US" altLang="zh-CN" dirty="0"/>
+              <a:t>B</a:t>
             </a:r>
             <a:r>
               <a:rPr lang="zh-CN" altLang="en-US" dirty="0"/>
-              <a:t>模板</a:t>
+              <a:t>站专栏封面模板</a:t>
             </a:r>
           </a:p>
         </p:txBody>
@@ -950,7 +930,7 @@
     </p:spTree>
     <p:extLst>
       <p:ext uri="{BB962C8B-B14F-4D97-AF65-F5344CB8AC3E}">
-        <p14:creationId xmlns:p14="http://schemas.microsoft.com/office/powerpoint/2010/main" val="1392793106"/>
+        <p14:creationId xmlns:p14="http://schemas.microsoft.com/office/powerpoint/2010/main" val="1277690592"/>
       </p:ext>
     </p:extLst>
   </p:cSld>
@@ -1004,13 +984,34 @@
           <a:bodyPr/>
           <a:lstStyle/>
           <a:p>
-            <a:r>
-              <a:rPr lang="en-US" altLang="zh-CN" dirty="0"/>
-              <a:t>B</a:t>
+            <a:pPr marL="0" marR="0" lvl="0" indent="0" algn="l" defTabSz="914400" rtl="0" eaLnBrk="1" fontAlgn="auto" latinLnBrk="0" hangingPunct="1">
+              <a:lnSpc>
+                <a:spcPct val="100000"/>
+              </a:lnSpc>
+              <a:spcBef>
+                <a:spcPts val="0"/>
+              </a:spcBef>
+              <a:spcAft>
+                <a:spcPts val="0"/>
+              </a:spcAft>
+              <a:buClrTx/>
+              <a:buSzTx/>
+              <a:buFontTx/>
+              <a:buNone/>
+              <a:tabLst/>
+              <a:defRPr/>
+            </a:pPr>
+            <a:r>
+              <a:rPr lang="zh-CN" altLang="en-US" sz="1200" b="0" dirty="0">
+                <a:solidFill>
+                  <a:schemeClr val="bg1"/>
+                </a:solidFill>
+              </a:rPr>
+              <a:t>博客封面</a:t>
             </a:r>
             <a:r>
               <a:rPr lang="zh-CN" altLang="en-US" dirty="0"/>
-              <a:t>站专栏封面模板</a:t>
+              <a:t>模板</a:t>
             </a:r>
           </a:p>
         </p:txBody>
@@ -1041,7 +1042,7 @@
     </p:spTree>
     <p:extLst>
       <p:ext uri="{BB962C8B-B14F-4D97-AF65-F5344CB8AC3E}">
-        <p14:creationId xmlns:p14="http://schemas.microsoft.com/office/powerpoint/2010/main" val="134349490"/>
+        <p14:creationId xmlns:p14="http://schemas.microsoft.com/office/powerpoint/2010/main" val="1392793106"/>
       </p:ext>
     </p:extLst>
   </p:cSld>
@@ -1132,7 +1133,7 @@
     </p:spTree>
     <p:extLst>
       <p:ext uri="{BB962C8B-B14F-4D97-AF65-F5344CB8AC3E}">
-        <p14:creationId xmlns:p14="http://schemas.microsoft.com/office/powerpoint/2010/main" val="3424298658"/>
+        <p14:creationId xmlns:p14="http://schemas.microsoft.com/office/powerpoint/2010/main" val="134349490"/>
       </p:ext>
     </p:extLst>
   </p:cSld>
@@ -1215,6 +1216,97 @@
             <a:fld id="{B974A731-C2E5-456E-9DAD-BEF2A53BB3AE}" type="slidenum">
               <a:rPr lang="zh-CN" altLang="en-US" smtClean="0"/>
               <a:t>8</a:t>
+            </a:fld>
+            <a:endParaRPr lang="zh-CN" altLang="en-US"/>
+          </a:p>
+        </p:txBody>
+      </p:sp>
+    </p:spTree>
+    <p:extLst>
+      <p:ext uri="{BB962C8B-B14F-4D97-AF65-F5344CB8AC3E}">
+        <p14:creationId xmlns:p14="http://schemas.microsoft.com/office/powerpoint/2010/main" val="3424298658"/>
+      </p:ext>
+    </p:extLst>
+  </p:cSld>
+  <p:clrMapOvr>
+    <a:masterClrMapping/>
+  </p:clrMapOvr>
+</p:notes>
+</file>
+
+<file path=ppt/notesSlides/notesSlide9.xml><?xml version="1.0" encoding="utf-8"?>
+<p:notes xmlns:a="http://schemas.openxmlformats.org/drawingml/2006/main" xmlns:r="http://schemas.openxmlformats.org/officeDocument/2006/relationships" xmlns:p="http://schemas.openxmlformats.org/presentationml/2006/main">
+  <p:cSld>
+    <p:spTree>
+      <p:nvGrpSpPr>
+        <p:cNvPr id="1" name=""/>
+        <p:cNvGrpSpPr/>
+        <p:nvPr/>
+      </p:nvGrpSpPr>
+      <p:grpSpPr>
+        <a:xfrm>
+          <a:off x="0" y="0"/>
+          <a:ext cx="0" cy="0"/>
+          <a:chOff x="0" y="0"/>
+          <a:chExt cx="0" cy="0"/>
+        </a:xfrm>
+      </p:grpSpPr>
+      <p:sp>
+        <p:nvSpPr>
+          <p:cNvPr id="2" name="幻灯片图像占位符 1"/>
+          <p:cNvSpPr>
+            <a:spLocks noGrp="1" noRot="1" noChangeAspect="1"/>
+          </p:cNvSpPr>
+          <p:nvPr>
+            <p:ph type="sldImg"/>
+          </p:nvPr>
+        </p:nvSpPr>
+        <p:spPr/>
+      </p:sp>
+      <p:sp>
+        <p:nvSpPr>
+          <p:cNvPr id="3" name="备注占位符 2"/>
+          <p:cNvSpPr>
+            <a:spLocks noGrp="1"/>
+          </p:cNvSpPr>
+          <p:nvPr>
+            <p:ph type="body" idx="1"/>
+          </p:nvPr>
+        </p:nvSpPr>
+        <p:spPr/>
+        <p:txBody>
+          <a:bodyPr/>
+          <a:lstStyle/>
+          <a:p>
+            <a:r>
+              <a:rPr lang="en-US" altLang="zh-CN" dirty="0"/>
+              <a:t>B</a:t>
+            </a:r>
+            <a:r>
+              <a:rPr lang="zh-CN" altLang="en-US" dirty="0"/>
+              <a:t>站专栏封面模板</a:t>
+            </a:r>
+          </a:p>
+        </p:txBody>
+      </p:sp>
+      <p:sp>
+        <p:nvSpPr>
+          <p:cNvPr id="4" name="灯片编号占位符 3"/>
+          <p:cNvSpPr>
+            <a:spLocks noGrp="1"/>
+          </p:cNvSpPr>
+          <p:nvPr>
+            <p:ph type="sldNum" sz="quarter" idx="5"/>
+          </p:nvPr>
+        </p:nvSpPr>
+        <p:spPr/>
+        <p:txBody>
+          <a:bodyPr/>
+          <a:lstStyle/>
+          <a:p>
+            <a:fld id="{B974A731-C2E5-456E-9DAD-BEF2A53BB3AE}" type="slidenum">
+              <a:rPr lang="zh-CN" altLang="en-US" smtClean="0"/>
+              <a:t>9</a:t>
             </a:fld>
             <a:endParaRPr lang="zh-CN" altLang="en-US"/>
           </a:p>
@@ -1380,7 +1472,7 @@
           <a:p>
             <a:fld id="{6AF9E429-D5F8-4EC6-95CB-DECEA0509B49}" type="datetimeFigureOut">
               <a:rPr lang="zh-CN" altLang="en-US" smtClean="0"/>
-              <a:t>2023/2/10</a:t>
+              <a:t>2023/2/11</a:t>
             </a:fld>
             <a:endParaRPr lang="zh-CN" altLang="en-US"/>
           </a:p>
@@ -1578,7 +1670,7 @@
           <a:p>
             <a:fld id="{6AF9E429-D5F8-4EC6-95CB-DECEA0509B49}" type="datetimeFigureOut">
               <a:rPr lang="zh-CN" altLang="en-US" smtClean="0"/>
-              <a:t>2023/2/10</a:t>
+              <a:t>2023/2/11</a:t>
             </a:fld>
             <a:endParaRPr lang="zh-CN" altLang="en-US"/>
           </a:p>
@@ -1786,7 +1878,7 @@
           <a:p>
             <a:fld id="{6AF9E429-D5F8-4EC6-95CB-DECEA0509B49}" type="datetimeFigureOut">
               <a:rPr lang="zh-CN" altLang="en-US" smtClean="0"/>
-              <a:t>2023/2/10</a:t>
+              <a:t>2023/2/11</a:t>
             </a:fld>
             <a:endParaRPr lang="zh-CN" altLang="en-US"/>
           </a:p>
@@ -1984,7 +2076,7 @@
           <a:p>
             <a:fld id="{6AF9E429-D5F8-4EC6-95CB-DECEA0509B49}" type="datetimeFigureOut">
               <a:rPr lang="zh-CN" altLang="en-US" smtClean="0"/>
-              <a:t>2023/2/10</a:t>
+              <a:t>2023/2/11</a:t>
             </a:fld>
             <a:endParaRPr lang="zh-CN" altLang="en-US"/>
           </a:p>
@@ -2259,7 +2351,7 @@
           <a:p>
             <a:fld id="{6AF9E429-D5F8-4EC6-95CB-DECEA0509B49}" type="datetimeFigureOut">
               <a:rPr lang="zh-CN" altLang="en-US" smtClean="0"/>
-              <a:t>2023/2/10</a:t>
+              <a:t>2023/2/11</a:t>
             </a:fld>
             <a:endParaRPr lang="zh-CN" altLang="en-US"/>
           </a:p>
@@ -2524,7 +2616,7 @@
           <a:p>
             <a:fld id="{6AF9E429-D5F8-4EC6-95CB-DECEA0509B49}" type="datetimeFigureOut">
               <a:rPr lang="zh-CN" altLang="en-US" smtClean="0"/>
-              <a:t>2023/2/10</a:t>
+              <a:t>2023/2/11</a:t>
             </a:fld>
             <a:endParaRPr lang="zh-CN" altLang="en-US"/>
           </a:p>
@@ -2936,7 +3028,7 @@
           <a:p>
             <a:fld id="{6AF9E429-D5F8-4EC6-95CB-DECEA0509B49}" type="datetimeFigureOut">
               <a:rPr lang="zh-CN" altLang="en-US" smtClean="0"/>
-              <a:t>2023/2/10</a:t>
+              <a:t>2023/2/11</a:t>
             </a:fld>
             <a:endParaRPr lang="zh-CN" altLang="en-US"/>
           </a:p>
@@ -3077,7 +3169,7 @@
           <a:p>
             <a:fld id="{6AF9E429-D5F8-4EC6-95CB-DECEA0509B49}" type="datetimeFigureOut">
               <a:rPr lang="zh-CN" altLang="en-US" smtClean="0"/>
-              <a:t>2023/2/10</a:t>
+              <a:t>2023/2/11</a:t>
             </a:fld>
             <a:endParaRPr lang="zh-CN" altLang="en-US"/>
           </a:p>
@@ -3190,7 +3282,7 @@
           <a:p>
             <a:fld id="{6AF9E429-D5F8-4EC6-95CB-DECEA0509B49}" type="datetimeFigureOut">
               <a:rPr lang="zh-CN" altLang="en-US" smtClean="0"/>
-              <a:t>2023/2/10</a:t>
+              <a:t>2023/2/11</a:t>
             </a:fld>
             <a:endParaRPr lang="zh-CN" altLang="en-US"/>
           </a:p>
@@ -3501,7 +3593,7 @@
           <a:p>
             <a:fld id="{6AF9E429-D5F8-4EC6-95CB-DECEA0509B49}" type="datetimeFigureOut">
               <a:rPr lang="zh-CN" altLang="en-US" smtClean="0"/>
-              <a:t>2023/2/10</a:t>
+              <a:t>2023/2/11</a:t>
             </a:fld>
             <a:endParaRPr lang="zh-CN" altLang="en-US"/>
           </a:p>
@@ -3789,7 +3881,7 @@
           <a:p>
             <a:fld id="{6AF9E429-D5F8-4EC6-95CB-DECEA0509B49}" type="datetimeFigureOut">
               <a:rPr lang="zh-CN" altLang="en-US" smtClean="0"/>
-              <a:t>2023/2/10</a:t>
+              <a:t>2023/2/11</a:t>
             </a:fld>
             <a:endParaRPr lang="zh-CN" altLang="en-US"/>
           </a:p>
@@ -4030,7 +4122,7 @@
           <a:p>
             <a:fld id="{6AF9E429-D5F8-4EC6-95CB-DECEA0509B49}" type="datetimeFigureOut">
               <a:rPr lang="zh-CN" altLang="en-US" smtClean="0"/>
-              <a:t>2023/2/10</a:t>
+              <a:t>2023/2/11</a:t>
             </a:fld>
             <a:endParaRPr lang="zh-CN" altLang="en-US"/>
           </a:p>
@@ -4435,181 +4527,6 @@
   <p:cSld>
     <p:bg>
       <p:bgPr>
-        <a:blipFill dpi="0" rotWithShape="1">
-          <a:blip r:embed="rId3">
-            <a:alphaModFix amt="99000"/>
-            <a:lum/>
-          </a:blip>
-          <a:srcRect/>
-          <a:stretch>
-            <a:fillRect/>
-          </a:stretch>
-        </a:blipFill>
-        <a:effectLst/>
-      </p:bgPr>
-    </p:bg>
-    <p:spTree>
-      <p:nvGrpSpPr>
-        <p:cNvPr id="1" name=""/>
-        <p:cNvGrpSpPr/>
-        <p:nvPr/>
-      </p:nvGrpSpPr>
-      <p:grpSpPr>
-        <a:xfrm>
-          <a:off x="0" y="0"/>
-          <a:ext cx="0" cy="0"/>
-          <a:chOff x="0" y="0"/>
-          <a:chExt cx="0" cy="0"/>
-        </a:xfrm>
-      </p:grpSpPr>
-      <p:sp>
-        <p:nvSpPr>
-          <p:cNvPr id="12" name="矩形 11">
-            <a:extLst>
-              <a:ext uri="{FF2B5EF4-FFF2-40B4-BE49-F238E27FC236}">
-                <a16:creationId xmlns:a16="http://schemas.microsoft.com/office/drawing/2014/main" id="{C842F9B0-6CA1-48D2-99E0-D4C89BD36505}"/>
-              </a:ext>
-            </a:extLst>
-          </p:cNvPr>
-          <p:cNvSpPr/>
-          <p:nvPr/>
-        </p:nvSpPr>
-        <p:spPr>
-          <a:xfrm>
-            <a:off x="2482738" y="1938080"/>
-            <a:ext cx="7226530" cy="1446550"/>
-          </a:xfrm>
-          <a:prstGeom prst="rect">
-            <a:avLst/>
-          </a:prstGeom>
-          <a:noFill/>
-        </p:spPr>
-        <p:txBody>
-          <a:bodyPr wrap="none" lIns="91440" tIns="45720" rIns="91440" bIns="45720">
-            <a:spAutoFit/>
-          </a:bodyPr>
-          <a:lstStyle/>
-          <a:p>
-            <a:pPr algn="ctr"/>
-            <a:r>
-              <a:rPr lang="en-US" altLang="zh-CN" sz="8800" b="1" dirty="0" err="1">
-                <a:ln w="38100" cmpd="sng">
-                  <a:solidFill>
-                    <a:srgbClr val="033DBA"/>
-                  </a:solidFill>
-                  <a:prstDash val="solid"/>
-                </a:ln>
-                <a:solidFill>
-                  <a:schemeClr val="bg1"/>
-                </a:solidFill>
-                <a:effectLst>
-                  <a:glow rad="101600">
-                    <a:schemeClr val="tx1">
-                      <a:alpha val="40000"/>
-                    </a:schemeClr>
-                  </a:glow>
-                </a:effectLst>
-                <a:latin typeface="微软雅黑" panose="020B0503020204020204" pitchFamily="34" charset="-122"/>
-                <a:ea typeface="微软雅黑" panose="020B0503020204020204" pitchFamily="34" charset="-122"/>
-              </a:rPr>
-              <a:t>mpv.net_CM</a:t>
-            </a:r>
-            <a:endParaRPr lang="zh-CN" altLang="en-US" sz="8800" b="1" dirty="0">
-              <a:ln w="38100" cmpd="sng">
-                <a:solidFill>
-                  <a:srgbClr val="033DBA"/>
-                </a:solidFill>
-                <a:prstDash val="solid"/>
-              </a:ln>
-              <a:solidFill>
-                <a:schemeClr val="bg1"/>
-              </a:solidFill>
-              <a:effectLst>
-                <a:glow rad="101600">
-                  <a:schemeClr val="tx1">
-                    <a:alpha val="40000"/>
-                  </a:schemeClr>
-                </a:glow>
-              </a:effectLst>
-              <a:latin typeface="微软雅黑" panose="020B0503020204020204" pitchFamily="34" charset="-122"/>
-              <a:ea typeface="微软雅黑" panose="020B0503020204020204" pitchFamily="34" charset="-122"/>
-            </a:endParaRPr>
-          </a:p>
-        </p:txBody>
-      </p:sp>
-      <p:sp>
-        <p:nvSpPr>
-          <p:cNvPr id="13" name="矩形 12">
-            <a:extLst>
-              <a:ext uri="{FF2B5EF4-FFF2-40B4-BE49-F238E27FC236}">
-                <a16:creationId xmlns:a16="http://schemas.microsoft.com/office/drawing/2014/main" id="{C7FED6EB-F9EC-45BF-AC3A-F6F36FF776B1}"/>
-              </a:ext>
-            </a:extLst>
-          </p:cNvPr>
-          <p:cNvSpPr/>
-          <p:nvPr/>
-        </p:nvSpPr>
-        <p:spPr>
-          <a:xfrm>
-            <a:off x="3085288" y="3755224"/>
-            <a:ext cx="6109365" cy="1107996"/>
-          </a:xfrm>
-          <a:prstGeom prst="rect">
-            <a:avLst/>
-          </a:prstGeom>
-          <a:noFill/>
-        </p:spPr>
-        <p:txBody>
-          <a:bodyPr wrap="none" lIns="91440" tIns="45720" rIns="91440" bIns="45720">
-            <a:spAutoFit/>
-          </a:bodyPr>
-          <a:lstStyle/>
-          <a:p>
-            <a:pPr algn="ctr"/>
-            <a:r>
-              <a:rPr lang="zh-CN" altLang="en-US" sz="6600" b="1" dirty="0">
-                <a:ln w="38100" cmpd="sng">
-                  <a:solidFill>
-                    <a:srgbClr val="033DBA"/>
-                  </a:solidFill>
-                  <a:prstDash val="solid"/>
-                </a:ln>
-                <a:solidFill>
-                  <a:schemeClr val="bg1"/>
-                </a:solidFill>
-                <a:effectLst>
-                  <a:glow rad="63500">
-                    <a:schemeClr val="tx1">
-                      <a:alpha val="40000"/>
-                    </a:schemeClr>
-                  </a:glow>
-                </a:effectLst>
-                <a:latin typeface="微软雅黑" panose="020B0503020204020204" pitchFamily="34" charset="-122"/>
-                <a:ea typeface="微软雅黑" panose="020B0503020204020204" pitchFamily="34" charset="-122"/>
-              </a:rPr>
-              <a:t>动漫最强播放器</a:t>
-            </a:r>
-          </a:p>
-        </p:txBody>
-      </p:sp>
-    </p:spTree>
-    <p:extLst>
-      <p:ext uri="{BB962C8B-B14F-4D97-AF65-F5344CB8AC3E}">
-        <p14:creationId xmlns:p14="http://schemas.microsoft.com/office/powerpoint/2010/main" val="478020150"/>
-      </p:ext>
-    </p:extLst>
-  </p:cSld>
-  <p:clrMapOvr>
-    <a:masterClrMapping/>
-  </p:clrMapOvr>
-</p:sld>
-</file>
-
-<file path=ppt/slides/slide2.xml><?xml version="1.0" encoding="utf-8"?>
-<p:sld xmlns:a="http://schemas.openxmlformats.org/drawingml/2006/main" xmlns:r="http://schemas.openxmlformats.org/officeDocument/2006/relationships" xmlns:p="http://schemas.openxmlformats.org/presentationml/2006/main">
-  <p:cSld>
-    <p:bg>
-      <p:bgPr>
         <a:solidFill>
           <a:srgbClr val="00B0F0"/>
         </a:solidFill>
@@ -4890,7 +4807,336 @@
 </p:sld>
 </file>
 
+<file path=ppt/slides/slide2.xml><?xml version="1.0" encoding="utf-8"?>
+<p:sld xmlns:a="http://schemas.openxmlformats.org/drawingml/2006/main" xmlns:r="http://schemas.openxmlformats.org/officeDocument/2006/relationships" xmlns:p="http://schemas.openxmlformats.org/presentationml/2006/main">
+  <p:cSld>
+    <p:bg>
+      <p:bgPr>
+        <a:blipFill dpi="0" rotWithShape="1">
+          <a:blip r:embed="rId3">
+            <a:lum/>
+          </a:blip>
+          <a:srcRect/>
+          <a:stretch>
+            <a:fillRect/>
+          </a:stretch>
+        </a:blipFill>
+        <a:effectLst/>
+      </p:bgPr>
+    </p:bg>
+    <p:spTree>
+      <p:nvGrpSpPr>
+        <p:cNvPr id="1" name=""/>
+        <p:cNvGrpSpPr/>
+        <p:nvPr/>
+      </p:nvGrpSpPr>
+      <p:grpSpPr>
+        <a:xfrm>
+          <a:off x="0" y="0"/>
+          <a:ext cx="0" cy="0"/>
+          <a:chOff x="0" y="0"/>
+          <a:chExt cx="0" cy="0"/>
+        </a:xfrm>
+      </p:grpSpPr>
+      <p:sp>
+        <p:nvSpPr>
+          <p:cNvPr id="7" name="矩形 6">
+            <a:extLst>
+              <a:ext uri="{FF2B5EF4-FFF2-40B4-BE49-F238E27FC236}">
+                <a16:creationId xmlns:a16="http://schemas.microsoft.com/office/drawing/2014/main" id="{81115B69-9929-4A68-97AB-E2EBF4371EEE}"/>
+              </a:ext>
+            </a:extLst>
+          </p:cNvPr>
+          <p:cNvSpPr/>
+          <p:nvPr/>
+        </p:nvSpPr>
+        <p:spPr>
+          <a:xfrm>
+            <a:off x="2603702" y="1938080"/>
+            <a:ext cx="6984604" cy="1446550"/>
+          </a:xfrm>
+          <a:prstGeom prst="rect">
+            <a:avLst/>
+          </a:prstGeom>
+          <a:noFill/>
+        </p:spPr>
+        <p:txBody>
+          <a:bodyPr wrap="none" lIns="91440" tIns="45720" rIns="91440" bIns="45720">
+            <a:spAutoFit/>
+          </a:bodyPr>
+          <a:lstStyle/>
+          <a:p>
+            <a:pPr algn="ctr"/>
+            <a:r>
+              <a:rPr lang="zh-CN" altLang="en-US" sz="8800" b="1" dirty="0">
+                <a:ln w="38100" cmpd="sng">
+                  <a:solidFill>
+                    <a:srgbClr val="033DBA"/>
+                  </a:solidFill>
+                  <a:prstDash val="solid"/>
+                </a:ln>
+                <a:solidFill>
+                  <a:schemeClr val="bg1"/>
+                </a:solidFill>
+                <a:effectLst>
+                  <a:glow rad="63500">
+                    <a:schemeClr val="tx1">
+                      <a:alpha val="40000"/>
+                    </a:schemeClr>
+                  </a:glow>
+                </a:effectLst>
+                <a:latin typeface="方正少儿_GBK" panose="03000509000000000000" pitchFamily="65" charset="-122"/>
+                <a:ea typeface="方正少儿_GBK" panose="03000509000000000000" pitchFamily="65" charset="-122"/>
+              </a:rPr>
+              <a:t>洛雪音乐助手</a:t>
+            </a:r>
+          </a:p>
+        </p:txBody>
+      </p:sp>
+      <p:sp>
+        <p:nvSpPr>
+          <p:cNvPr id="8" name="矩形 7">
+            <a:extLst>
+              <a:ext uri="{FF2B5EF4-FFF2-40B4-BE49-F238E27FC236}">
+                <a16:creationId xmlns:a16="http://schemas.microsoft.com/office/drawing/2014/main" id="{E827B175-404A-448D-8328-17ED097DF274}"/>
+              </a:ext>
+            </a:extLst>
+          </p:cNvPr>
+          <p:cNvSpPr/>
+          <p:nvPr/>
+        </p:nvSpPr>
+        <p:spPr>
+          <a:xfrm>
+            <a:off x="969324" y="3755224"/>
+            <a:ext cx="10341294" cy="1107996"/>
+          </a:xfrm>
+          <a:prstGeom prst="rect">
+            <a:avLst/>
+          </a:prstGeom>
+          <a:noFill/>
+        </p:spPr>
+        <p:txBody>
+          <a:bodyPr wrap="none" lIns="91440" tIns="45720" rIns="91440" bIns="45720">
+            <a:spAutoFit/>
+          </a:bodyPr>
+          <a:lstStyle/>
+          <a:p>
+            <a:pPr algn="ctr"/>
+            <a:r>
+              <a:rPr lang="zh-CN" altLang="en-US" sz="6600" b="1" dirty="0">
+                <a:ln w="38100" cmpd="sng">
+                  <a:solidFill>
+                    <a:srgbClr val="033DBA"/>
+                  </a:solidFill>
+                  <a:prstDash val="solid"/>
+                </a:ln>
+                <a:solidFill>
+                  <a:schemeClr val="bg1"/>
+                </a:solidFill>
+                <a:effectLst>
+                  <a:glow rad="63500">
+                    <a:schemeClr val="tx1">
+                      <a:alpha val="40000"/>
+                    </a:schemeClr>
+                  </a:glow>
+                </a:effectLst>
+                <a:latin typeface="微软雅黑" panose="020B0503020204020204" pitchFamily="34" charset="-122"/>
+                <a:ea typeface="微软雅黑" panose="020B0503020204020204" pitchFamily="34" charset="-122"/>
+              </a:rPr>
+              <a:t>开源免费，多平台，音质高</a:t>
+            </a:r>
+          </a:p>
+        </p:txBody>
+      </p:sp>
+    </p:spTree>
+    <p:extLst>
+      <p:ext uri="{BB962C8B-B14F-4D97-AF65-F5344CB8AC3E}">
+        <p14:creationId xmlns:p14="http://schemas.microsoft.com/office/powerpoint/2010/main" val="1425741119"/>
+      </p:ext>
+    </p:extLst>
+  </p:cSld>
+  <p:clrMapOvr>
+    <a:masterClrMapping/>
+  </p:clrMapOvr>
+</p:sld>
+</file>
+
 <file path=ppt/slides/slide3.xml><?xml version="1.0" encoding="utf-8"?>
+<p:sld xmlns:a="http://schemas.openxmlformats.org/drawingml/2006/main" xmlns:r="http://schemas.openxmlformats.org/officeDocument/2006/relationships" xmlns:p="http://schemas.openxmlformats.org/presentationml/2006/main">
+  <p:cSld>
+    <p:bg>
+      <p:bgPr>
+        <a:blipFill dpi="0" rotWithShape="1">
+          <a:blip r:embed="rId3">
+            <a:alphaModFix amt="99000"/>
+            <a:lum/>
+          </a:blip>
+          <a:srcRect/>
+          <a:stretch>
+            <a:fillRect/>
+          </a:stretch>
+        </a:blipFill>
+        <a:effectLst/>
+      </p:bgPr>
+    </p:bg>
+    <p:spTree>
+      <p:nvGrpSpPr>
+        <p:cNvPr id="1" name=""/>
+        <p:cNvGrpSpPr/>
+        <p:nvPr/>
+      </p:nvGrpSpPr>
+      <p:grpSpPr>
+        <a:xfrm>
+          <a:off x="0" y="0"/>
+          <a:ext cx="0" cy="0"/>
+          <a:chOff x="0" y="0"/>
+          <a:chExt cx="0" cy="0"/>
+        </a:xfrm>
+      </p:grpSpPr>
+      <p:sp>
+        <p:nvSpPr>
+          <p:cNvPr id="12" name="矩形 11">
+            <a:extLst>
+              <a:ext uri="{FF2B5EF4-FFF2-40B4-BE49-F238E27FC236}">
+                <a16:creationId xmlns:a16="http://schemas.microsoft.com/office/drawing/2014/main" id="{C842F9B0-6CA1-48D2-99E0-D4C89BD36505}"/>
+              </a:ext>
+            </a:extLst>
+          </p:cNvPr>
+          <p:cNvSpPr/>
+          <p:nvPr/>
+        </p:nvSpPr>
+        <p:spPr>
+          <a:xfrm>
+            <a:off x="2482738" y="1938080"/>
+            <a:ext cx="7226530" cy="1446550"/>
+          </a:xfrm>
+          <a:prstGeom prst="rect">
+            <a:avLst/>
+          </a:prstGeom>
+          <a:noFill/>
+        </p:spPr>
+        <p:txBody>
+          <a:bodyPr wrap="none" lIns="91440" tIns="45720" rIns="91440" bIns="45720">
+            <a:spAutoFit/>
+          </a:bodyPr>
+          <a:lstStyle/>
+          <a:p>
+            <a:pPr algn="ctr"/>
+            <a:r>
+              <a:rPr lang="en-US" altLang="zh-CN" sz="8800" b="1" dirty="0" err="1">
+                <a:ln w="38100" cmpd="sng">
+                  <a:solidFill>
+                    <a:srgbClr val="033DBA"/>
+                  </a:solidFill>
+                  <a:prstDash val="solid"/>
+                </a:ln>
+                <a:solidFill>
+                  <a:schemeClr val="bg1"/>
+                </a:solidFill>
+                <a:effectLst>
+                  <a:glow rad="101600">
+                    <a:schemeClr val="tx1">
+                      <a:alpha val="40000"/>
+                    </a:schemeClr>
+                  </a:glow>
+                </a:effectLst>
+                <a:latin typeface="微软雅黑" panose="020B0503020204020204" pitchFamily="34" charset="-122"/>
+                <a:ea typeface="微软雅黑" panose="020B0503020204020204" pitchFamily="34" charset="-122"/>
+              </a:rPr>
+              <a:t>mpv.net_CM</a:t>
+            </a:r>
+            <a:endParaRPr lang="zh-CN" altLang="en-US" sz="8800" b="1" dirty="0">
+              <a:ln w="38100" cmpd="sng">
+                <a:solidFill>
+                  <a:srgbClr val="033DBA"/>
+                </a:solidFill>
+                <a:prstDash val="solid"/>
+              </a:ln>
+              <a:solidFill>
+                <a:schemeClr val="bg1"/>
+              </a:solidFill>
+              <a:effectLst>
+                <a:glow rad="101600">
+                  <a:schemeClr val="tx1">
+                    <a:alpha val="40000"/>
+                  </a:schemeClr>
+                </a:glow>
+              </a:effectLst>
+              <a:latin typeface="微软雅黑" panose="020B0503020204020204" pitchFamily="34" charset="-122"/>
+              <a:ea typeface="微软雅黑" panose="020B0503020204020204" pitchFamily="34" charset="-122"/>
+            </a:endParaRPr>
+          </a:p>
+        </p:txBody>
+      </p:sp>
+      <p:sp>
+        <p:nvSpPr>
+          <p:cNvPr id="13" name="矩形 12">
+            <a:extLst>
+              <a:ext uri="{FF2B5EF4-FFF2-40B4-BE49-F238E27FC236}">
+                <a16:creationId xmlns:a16="http://schemas.microsoft.com/office/drawing/2014/main" id="{C7FED6EB-F9EC-45BF-AC3A-F6F36FF776B1}"/>
+              </a:ext>
+            </a:extLst>
+          </p:cNvPr>
+          <p:cNvSpPr/>
+          <p:nvPr/>
+        </p:nvSpPr>
+        <p:spPr>
+          <a:xfrm>
+            <a:off x="3085288" y="3755224"/>
+            <a:ext cx="6109365" cy="1107996"/>
+          </a:xfrm>
+          <a:prstGeom prst="rect">
+            <a:avLst/>
+          </a:prstGeom>
+          <a:noFill/>
+        </p:spPr>
+        <p:txBody>
+          <a:bodyPr wrap="none" lIns="91440" tIns="45720" rIns="91440" bIns="45720">
+            <a:spAutoFit/>
+          </a:bodyPr>
+          <a:lstStyle/>
+          <a:p>
+            <a:pPr algn="ctr"/>
+            <a:r>
+              <a:rPr lang="zh-CN" altLang="en-US" sz="6600" b="1" dirty="0">
+                <a:ln w="38100" cmpd="sng">
+                  <a:solidFill>
+                    <a:srgbClr val="033DBA"/>
+                  </a:solidFill>
+                  <a:prstDash val="solid"/>
+                </a:ln>
+                <a:solidFill>
+                  <a:schemeClr val="bg1"/>
+                </a:solidFill>
+                <a:effectLst>
+                  <a:glow rad="63500">
+                    <a:schemeClr val="tx1">
+                      <a:alpha val="40000"/>
+                    </a:schemeClr>
+                  </a:glow>
+                </a:effectLst>
+                <a:latin typeface="微软雅黑" panose="020B0503020204020204" pitchFamily="34" charset="-122"/>
+                <a:ea typeface="微软雅黑" panose="020B0503020204020204" pitchFamily="34" charset="-122"/>
+              </a:rPr>
+              <a:t>动漫最强播放器</a:t>
+            </a:r>
+          </a:p>
+        </p:txBody>
+      </p:sp>
+    </p:spTree>
+    <p:extLst>
+      <p:ext uri="{BB962C8B-B14F-4D97-AF65-F5344CB8AC3E}">
+        <p14:creationId xmlns:p14="http://schemas.microsoft.com/office/powerpoint/2010/main" val="478020150"/>
+      </p:ext>
+    </p:extLst>
+  </p:cSld>
+  <p:clrMapOvr>
+    <a:masterClrMapping/>
+  </p:clrMapOvr>
+</p:sld>
+</file>
+
+<file path=ppt/slides/slide4.xml><?xml version="1.0" encoding="utf-8"?>
 <p:sld xmlns:a="http://schemas.openxmlformats.org/drawingml/2006/main" xmlns:r="http://schemas.openxmlformats.org/officeDocument/2006/relationships" xmlns:p="http://schemas.openxmlformats.org/presentationml/2006/main">
   <p:cSld>
     <p:bg>
@@ -5138,195 +5384,6 @@
     <p:extLst>
       <p:ext uri="{BB962C8B-B14F-4D97-AF65-F5344CB8AC3E}">
         <p14:creationId xmlns:p14="http://schemas.microsoft.com/office/powerpoint/2010/main" val="3756831469"/>
-      </p:ext>
-    </p:extLst>
-  </p:cSld>
-  <p:clrMapOvr>
-    <a:masterClrMapping/>
-  </p:clrMapOvr>
-</p:sld>
-</file>
-
-<file path=ppt/slides/slide4.xml><?xml version="1.0" encoding="utf-8"?>
-<p:sld xmlns:a="http://schemas.openxmlformats.org/drawingml/2006/main" xmlns:r="http://schemas.openxmlformats.org/officeDocument/2006/relationships" xmlns:p="http://schemas.openxmlformats.org/presentationml/2006/main">
-  <p:cSld>
-    <p:bg>
-      <p:bgPr>
-        <a:solidFill>
-          <a:srgbClr val="00B0F0"/>
-        </a:solidFill>
-        <a:effectLst/>
-      </p:bgPr>
-    </p:bg>
-    <p:spTree>
-      <p:nvGrpSpPr>
-        <p:cNvPr id="1" name=""/>
-        <p:cNvGrpSpPr/>
-        <p:nvPr/>
-      </p:nvGrpSpPr>
-      <p:grpSpPr>
-        <a:xfrm>
-          <a:off x="0" y="0"/>
-          <a:ext cx="0" cy="0"/>
-          <a:chOff x="0" y="0"/>
-          <a:chExt cx="0" cy="0"/>
-        </a:xfrm>
-      </p:grpSpPr>
-      <p:sp>
-        <p:nvSpPr>
-          <p:cNvPr id="6" name="矩形 5">
-            <a:extLst>
-              <a:ext uri="{FF2B5EF4-FFF2-40B4-BE49-F238E27FC236}">
-                <a16:creationId xmlns:a16="http://schemas.microsoft.com/office/drawing/2014/main" id="{28FE2B7D-F256-43BF-B5B2-945F15512DA6}"/>
-              </a:ext>
-            </a:extLst>
-          </p:cNvPr>
-          <p:cNvSpPr/>
-          <p:nvPr/>
-        </p:nvSpPr>
-        <p:spPr>
-          <a:xfrm>
-            <a:off x="2933698" y="1622322"/>
-            <a:ext cx="6311900" cy="3611492"/>
-          </a:xfrm>
-          <a:prstGeom prst="rect">
-            <a:avLst/>
-          </a:prstGeom>
-          <a:noFill/>
-          <a:ln w="38100">
-            <a:solidFill>
-              <a:schemeClr val="bg1"/>
-            </a:solidFill>
-          </a:ln>
-        </p:spPr>
-        <p:style>
-          <a:lnRef idx="2">
-            <a:schemeClr val="accent1">
-              <a:shade val="50000"/>
-            </a:schemeClr>
-          </a:lnRef>
-          <a:fillRef idx="1">
-            <a:schemeClr val="accent1"/>
-          </a:fillRef>
-          <a:effectRef idx="0">
-            <a:schemeClr val="accent1"/>
-          </a:effectRef>
-          <a:fontRef idx="minor">
-            <a:schemeClr val="lt1"/>
-          </a:fontRef>
-        </p:style>
-        <p:txBody>
-          <a:bodyPr rtlCol="0" anchor="ctr"/>
-          <a:lstStyle/>
-          <a:p>
-            <a:pPr algn="ctr"/>
-            <a:endParaRPr lang="zh-CN" altLang="en-US"/>
-          </a:p>
-        </p:txBody>
-      </p:sp>
-      <p:sp>
-        <p:nvSpPr>
-          <p:cNvPr id="8" name="矩形 7">
-            <a:extLst>
-              <a:ext uri="{FF2B5EF4-FFF2-40B4-BE49-F238E27FC236}">
-                <a16:creationId xmlns:a16="http://schemas.microsoft.com/office/drawing/2014/main" id="{3BB65A6E-880F-4C4C-B751-6E6B5C3D876B}"/>
-              </a:ext>
-            </a:extLst>
-          </p:cNvPr>
-          <p:cNvSpPr/>
-          <p:nvPr/>
-        </p:nvSpPr>
-        <p:spPr>
-          <a:xfrm>
-            <a:off x="-29632" y="1623253"/>
-            <a:ext cx="12251266" cy="3611491"/>
-          </a:xfrm>
-          <a:prstGeom prst="rect">
-            <a:avLst/>
-          </a:prstGeom>
-          <a:noFill/>
-          <a:ln w="38100">
-            <a:solidFill>
-              <a:schemeClr val="bg1"/>
-            </a:solidFill>
-          </a:ln>
-        </p:spPr>
-        <p:style>
-          <a:lnRef idx="2">
-            <a:schemeClr val="accent1">
-              <a:shade val="50000"/>
-            </a:schemeClr>
-          </a:lnRef>
-          <a:fillRef idx="1">
-            <a:schemeClr val="accent1"/>
-          </a:fillRef>
-          <a:effectRef idx="0">
-            <a:schemeClr val="accent1"/>
-          </a:effectRef>
-          <a:fontRef idx="minor">
-            <a:schemeClr val="lt1"/>
-          </a:fontRef>
-        </p:style>
-        <p:txBody>
-          <a:bodyPr rtlCol="0" anchor="ctr"/>
-          <a:lstStyle/>
-          <a:p>
-            <a:pPr algn="ctr"/>
-            <a:endParaRPr lang="zh-CN" altLang="en-US"/>
-          </a:p>
-        </p:txBody>
-      </p:sp>
-      <p:sp>
-        <p:nvSpPr>
-          <p:cNvPr id="2" name="文本框 1">
-            <a:extLst>
-              <a:ext uri="{FF2B5EF4-FFF2-40B4-BE49-F238E27FC236}">
-                <a16:creationId xmlns:a16="http://schemas.microsoft.com/office/drawing/2014/main" id="{F63653B6-B13E-43E9-A4E6-84D8707D8B81}"/>
-              </a:ext>
-            </a:extLst>
-          </p:cNvPr>
-          <p:cNvSpPr txBox="1"/>
-          <p:nvPr/>
-        </p:nvSpPr>
-        <p:spPr>
-          <a:xfrm>
-            <a:off x="5255681" y="500565"/>
-            <a:ext cx="1667934" cy="400110"/>
-          </a:xfrm>
-          <a:prstGeom prst="rect">
-            <a:avLst/>
-          </a:prstGeom>
-          <a:noFill/>
-        </p:spPr>
-        <p:txBody>
-          <a:bodyPr wrap="square" rtlCol="0">
-            <a:spAutoFit/>
-          </a:bodyPr>
-          <a:lstStyle/>
-          <a:p>
-            <a:r>
-              <a:rPr lang="en-US" altLang="zh-CN" sz="2000" b="1" dirty="0">
-                <a:solidFill>
-                  <a:schemeClr val="bg1"/>
-                </a:solidFill>
-              </a:rPr>
-              <a:t>B</a:t>
-            </a:r>
-            <a:r>
-              <a:rPr lang="zh-CN" altLang="en-US" sz="2000" b="1" dirty="0">
-                <a:solidFill>
-                  <a:schemeClr val="bg1"/>
-                </a:solidFill>
-              </a:rPr>
-              <a:t>站专栏封面</a:t>
-            </a:r>
-          </a:p>
-        </p:txBody>
-      </p:sp>
-    </p:spTree>
-    <p:extLst>
-      <p:ext uri="{BB962C8B-B14F-4D97-AF65-F5344CB8AC3E}">
-        <p14:creationId xmlns:p14="http://schemas.microsoft.com/office/powerpoint/2010/main" val="931462358"/>
       </p:ext>
     </p:extLst>
   </p:cSld>
@@ -5363,59 +5420,20 @@
       </p:grpSpPr>
       <p:sp>
         <p:nvSpPr>
-          <p:cNvPr id="2" name="文本框 1">
-            <a:extLst>
-              <a:ext uri="{FF2B5EF4-FFF2-40B4-BE49-F238E27FC236}">
-                <a16:creationId xmlns:a16="http://schemas.microsoft.com/office/drawing/2014/main" id="{F63653B6-B13E-43E9-A4E6-84D8707D8B81}"/>
-              </a:ext>
-            </a:extLst>
-          </p:cNvPr>
-          <p:cNvSpPr txBox="1"/>
+          <p:cNvPr id="6" name="矩形 5">
+            <a:extLst>
+              <a:ext uri="{FF2B5EF4-FFF2-40B4-BE49-F238E27FC236}">
+                <a16:creationId xmlns:a16="http://schemas.microsoft.com/office/drawing/2014/main" id="{28FE2B7D-F256-43BF-B5B2-945F15512DA6}"/>
+              </a:ext>
+            </a:extLst>
+          </p:cNvPr>
+          <p:cNvSpPr/>
           <p:nvPr/>
         </p:nvSpPr>
         <p:spPr>
           <a:xfrm>
-            <a:off x="5420078" y="588065"/>
-            <a:ext cx="1667934" cy="400110"/>
-          </a:xfrm>
-          <a:prstGeom prst="rect">
-            <a:avLst/>
-          </a:prstGeom>
-          <a:noFill/>
-        </p:spPr>
-        <p:txBody>
-          <a:bodyPr wrap="square" rtlCol="0">
-            <a:spAutoFit/>
-          </a:bodyPr>
-          <a:lstStyle/>
-          <a:p>
-            <a:r>
-              <a:rPr lang="zh-CN" altLang="en-US" sz="2000" b="1" dirty="0">
-                <a:solidFill>
-                  <a:schemeClr val="bg1"/>
-                </a:solidFill>
-              </a:rPr>
-              <a:t>博客封面</a:t>
-            </a:r>
-          </a:p>
-        </p:txBody>
-      </p:sp>
-      <p:sp>
-        <p:nvSpPr>
-          <p:cNvPr id="5" name="矩形 4">
-            <a:extLst>
-              <a:ext uri="{FF2B5EF4-FFF2-40B4-BE49-F238E27FC236}">
-                <a16:creationId xmlns:a16="http://schemas.microsoft.com/office/drawing/2014/main" id="{78D5E1D5-1000-455C-97A7-BBAF0EC9A5EC}"/>
-              </a:ext>
-            </a:extLst>
-          </p:cNvPr>
-          <p:cNvSpPr/>
-          <p:nvPr/>
-        </p:nvSpPr>
-        <p:spPr>
-          <a:xfrm>
-            <a:off x="923648" y="-171932"/>
-            <a:ext cx="10332000" cy="7200000"/>
+            <a:off x="2933698" y="1622322"/>
+            <a:ext cx="6311900" cy="3611492"/>
           </a:xfrm>
           <a:prstGeom prst="rect">
             <a:avLst/>
@@ -5454,10 +5472,10 @@
       </p:sp>
       <p:sp>
         <p:nvSpPr>
-          <p:cNvPr id="7" name="矩形 6">
-            <a:extLst>
-              <a:ext uri="{FF2B5EF4-FFF2-40B4-BE49-F238E27FC236}">
-                <a16:creationId xmlns:a16="http://schemas.microsoft.com/office/drawing/2014/main" id="{2F7FB2E1-2BA4-4984-A6C8-8BB09ABC93F3}"/>
+          <p:cNvPr id="8" name="矩形 7">
+            <a:extLst>
+              <a:ext uri="{FF2B5EF4-FFF2-40B4-BE49-F238E27FC236}">
+                <a16:creationId xmlns:a16="http://schemas.microsoft.com/office/drawing/2014/main" id="{3BB65A6E-880F-4C4C-B751-6E6B5C3D876B}"/>
               </a:ext>
             </a:extLst>
           </p:cNvPr>
@@ -5466,8 +5484,8 @@
         </p:nvSpPr>
         <p:spPr>
           <a:xfrm>
-            <a:off x="-29633" y="296068"/>
-            <a:ext cx="12251266" cy="6264000"/>
+            <a:off x="-29632" y="1623253"/>
+            <a:ext cx="12251266" cy="3611491"/>
           </a:xfrm>
           <a:prstGeom prst="rect">
             <a:avLst/>
@@ -5504,10 +5522,57 @@
           </a:p>
         </p:txBody>
       </p:sp>
+      <p:sp>
+        <p:nvSpPr>
+          <p:cNvPr id="2" name="文本框 1">
+            <a:extLst>
+              <a:ext uri="{FF2B5EF4-FFF2-40B4-BE49-F238E27FC236}">
+                <a16:creationId xmlns:a16="http://schemas.microsoft.com/office/drawing/2014/main" id="{F63653B6-B13E-43E9-A4E6-84D8707D8B81}"/>
+              </a:ext>
+            </a:extLst>
+          </p:cNvPr>
+          <p:cNvSpPr txBox="1"/>
+          <p:nvPr/>
+        </p:nvSpPr>
+        <p:spPr>
+          <a:xfrm>
+            <a:off x="5255681" y="500565"/>
+            <a:ext cx="1667934" cy="400110"/>
+          </a:xfrm>
+          <a:prstGeom prst="rect">
+            <a:avLst/>
+          </a:prstGeom>
+          <a:noFill/>
+        </p:spPr>
+        <p:txBody>
+          <a:bodyPr wrap="square" rtlCol="0">
+            <a:spAutoFit/>
+          </a:bodyPr>
+          <a:lstStyle/>
+          <a:p>
+            <a:r>
+              <a:rPr lang="en-US" altLang="zh-CN" sz="2000" b="1" dirty="0">
+                <a:solidFill>
+                  <a:schemeClr val="bg1"/>
+                </a:solidFill>
+              </a:rPr>
+              <a:t>B</a:t>
+            </a:r>
+            <a:r>
+              <a:rPr lang="zh-CN" altLang="en-US" sz="2000" b="1" dirty="0">
+                <a:solidFill>
+                  <a:schemeClr val="bg1"/>
+                </a:solidFill>
+              </a:rPr>
+              <a:t>站专栏封面</a:t>
+            </a:r>
+          </a:p>
+        </p:txBody>
+      </p:sp>
     </p:spTree>
     <p:extLst>
       <p:ext uri="{BB962C8B-B14F-4D97-AF65-F5344CB8AC3E}">
-        <p14:creationId xmlns:p14="http://schemas.microsoft.com/office/powerpoint/2010/main" val="2751987683"/>
+        <p14:creationId xmlns:p14="http://schemas.microsoft.com/office/powerpoint/2010/main" val="931462358"/>
       </p:ext>
     </p:extLst>
   </p:cSld>
@@ -5544,110 +5609,6 @@
       </p:grpSpPr>
       <p:sp>
         <p:nvSpPr>
-          <p:cNvPr id="6" name="矩形 5">
-            <a:extLst>
-              <a:ext uri="{FF2B5EF4-FFF2-40B4-BE49-F238E27FC236}">
-                <a16:creationId xmlns:a16="http://schemas.microsoft.com/office/drawing/2014/main" id="{28FE2B7D-F256-43BF-B5B2-945F15512DA6}"/>
-              </a:ext>
-            </a:extLst>
-          </p:cNvPr>
-          <p:cNvSpPr/>
-          <p:nvPr/>
-        </p:nvSpPr>
-        <p:spPr>
-          <a:xfrm>
-            <a:off x="2933698" y="1622322"/>
-            <a:ext cx="6311900" cy="3611492"/>
-          </a:xfrm>
-          <a:prstGeom prst="rect">
-            <a:avLst/>
-          </a:prstGeom>
-          <a:noFill/>
-          <a:ln w="38100">
-            <a:solidFill>
-              <a:schemeClr val="bg1"/>
-            </a:solidFill>
-          </a:ln>
-        </p:spPr>
-        <p:style>
-          <a:lnRef idx="2">
-            <a:schemeClr val="accent1">
-              <a:shade val="50000"/>
-            </a:schemeClr>
-          </a:lnRef>
-          <a:fillRef idx="1">
-            <a:schemeClr val="accent1"/>
-          </a:fillRef>
-          <a:effectRef idx="0">
-            <a:schemeClr val="accent1"/>
-          </a:effectRef>
-          <a:fontRef idx="minor">
-            <a:schemeClr val="lt1"/>
-          </a:fontRef>
-        </p:style>
-        <p:txBody>
-          <a:bodyPr rtlCol="0" anchor="ctr"/>
-          <a:lstStyle/>
-          <a:p>
-            <a:pPr algn="ctr"/>
-            <a:endParaRPr lang="zh-CN" altLang="en-US"/>
-          </a:p>
-        </p:txBody>
-      </p:sp>
-      <p:sp>
-        <p:nvSpPr>
-          <p:cNvPr id="8" name="矩形 7">
-            <a:extLst>
-              <a:ext uri="{FF2B5EF4-FFF2-40B4-BE49-F238E27FC236}">
-                <a16:creationId xmlns:a16="http://schemas.microsoft.com/office/drawing/2014/main" id="{3BB65A6E-880F-4C4C-B751-6E6B5C3D876B}"/>
-              </a:ext>
-            </a:extLst>
-          </p:cNvPr>
-          <p:cNvSpPr/>
-          <p:nvPr/>
-        </p:nvSpPr>
-        <p:spPr>
-          <a:xfrm>
-            <a:off x="-29632" y="1623253"/>
-            <a:ext cx="12251266" cy="3611491"/>
-          </a:xfrm>
-          <a:prstGeom prst="rect">
-            <a:avLst/>
-          </a:prstGeom>
-          <a:noFill/>
-          <a:ln w="38100">
-            <a:solidFill>
-              <a:schemeClr val="bg1"/>
-            </a:solidFill>
-          </a:ln>
-        </p:spPr>
-        <p:style>
-          <a:lnRef idx="2">
-            <a:schemeClr val="accent1">
-              <a:shade val="50000"/>
-            </a:schemeClr>
-          </a:lnRef>
-          <a:fillRef idx="1">
-            <a:schemeClr val="accent1"/>
-          </a:fillRef>
-          <a:effectRef idx="0">
-            <a:schemeClr val="accent1"/>
-          </a:effectRef>
-          <a:fontRef idx="minor">
-            <a:schemeClr val="lt1"/>
-          </a:fontRef>
-        </p:style>
-        <p:txBody>
-          <a:bodyPr rtlCol="0" anchor="ctr"/>
-          <a:lstStyle/>
-          <a:p>
-            <a:pPr algn="ctr"/>
-            <a:endParaRPr lang="zh-CN" altLang="en-US"/>
-          </a:p>
-        </p:txBody>
-      </p:sp>
-      <p:sp>
-        <p:nvSpPr>
           <p:cNvPr id="2" name="文本框 1">
             <a:extLst>
               <a:ext uri="{FF2B5EF4-FFF2-40B4-BE49-F238E27FC236}">
@@ -5680,7 +5641,7 @@
                   <a:schemeClr val="bg1"/>
                 </a:solidFill>
               </a:rPr>
-              <a:t>复合封面</a:t>
+              <a:t>博客封面</a:t>
             </a:r>
           </a:p>
         </p:txBody>
@@ -5792,7 +5753,7 @@
     </p:spTree>
     <p:extLst>
       <p:ext uri="{BB962C8B-B14F-4D97-AF65-F5344CB8AC3E}">
-        <p14:creationId xmlns:p14="http://schemas.microsoft.com/office/powerpoint/2010/main" val="1765455828"/>
+        <p14:creationId xmlns:p14="http://schemas.microsoft.com/office/powerpoint/2010/main" val="2751987683"/>
       </p:ext>
     </p:extLst>
   </p:cSld>
@@ -6077,6 +6038,291 @@
     </p:spTree>
     <p:extLst>
       <p:ext uri="{BB962C8B-B14F-4D97-AF65-F5344CB8AC3E}">
+        <p14:creationId xmlns:p14="http://schemas.microsoft.com/office/powerpoint/2010/main" val="1765455828"/>
+      </p:ext>
+    </p:extLst>
+  </p:cSld>
+  <p:clrMapOvr>
+    <a:masterClrMapping/>
+  </p:clrMapOvr>
+</p:sld>
+</file>
+
+<file path=ppt/slides/slide8.xml><?xml version="1.0" encoding="utf-8"?>
+<p:sld xmlns:a="http://schemas.openxmlformats.org/drawingml/2006/main" xmlns:r="http://schemas.openxmlformats.org/officeDocument/2006/relationships" xmlns:p="http://schemas.openxmlformats.org/presentationml/2006/main">
+  <p:cSld>
+    <p:bg>
+      <p:bgPr>
+        <a:solidFill>
+          <a:srgbClr val="00B0F0"/>
+        </a:solidFill>
+        <a:effectLst/>
+      </p:bgPr>
+    </p:bg>
+    <p:spTree>
+      <p:nvGrpSpPr>
+        <p:cNvPr id="1" name=""/>
+        <p:cNvGrpSpPr/>
+        <p:nvPr/>
+      </p:nvGrpSpPr>
+      <p:grpSpPr>
+        <a:xfrm>
+          <a:off x="0" y="0"/>
+          <a:ext cx="0" cy="0"/>
+          <a:chOff x="0" y="0"/>
+          <a:chExt cx="0" cy="0"/>
+        </a:xfrm>
+      </p:grpSpPr>
+      <p:sp>
+        <p:nvSpPr>
+          <p:cNvPr id="6" name="矩形 5">
+            <a:extLst>
+              <a:ext uri="{FF2B5EF4-FFF2-40B4-BE49-F238E27FC236}">
+                <a16:creationId xmlns:a16="http://schemas.microsoft.com/office/drawing/2014/main" id="{28FE2B7D-F256-43BF-B5B2-945F15512DA6}"/>
+              </a:ext>
+            </a:extLst>
+          </p:cNvPr>
+          <p:cNvSpPr/>
+          <p:nvPr/>
+        </p:nvSpPr>
+        <p:spPr>
+          <a:xfrm>
+            <a:off x="2933698" y="1622322"/>
+            <a:ext cx="6311900" cy="3611492"/>
+          </a:xfrm>
+          <a:prstGeom prst="rect">
+            <a:avLst/>
+          </a:prstGeom>
+          <a:noFill/>
+          <a:ln w="38100">
+            <a:solidFill>
+              <a:schemeClr val="bg1"/>
+            </a:solidFill>
+          </a:ln>
+        </p:spPr>
+        <p:style>
+          <a:lnRef idx="2">
+            <a:schemeClr val="accent1">
+              <a:shade val="50000"/>
+            </a:schemeClr>
+          </a:lnRef>
+          <a:fillRef idx="1">
+            <a:schemeClr val="accent1"/>
+          </a:fillRef>
+          <a:effectRef idx="0">
+            <a:schemeClr val="accent1"/>
+          </a:effectRef>
+          <a:fontRef idx="minor">
+            <a:schemeClr val="lt1"/>
+          </a:fontRef>
+        </p:style>
+        <p:txBody>
+          <a:bodyPr rtlCol="0" anchor="ctr"/>
+          <a:lstStyle/>
+          <a:p>
+            <a:pPr algn="ctr"/>
+            <a:endParaRPr lang="zh-CN" altLang="en-US"/>
+          </a:p>
+        </p:txBody>
+      </p:sp>
+      <p:sp>
+        <p:nvSpPr>
+          <p:cNvPr id="8" name="矩形 7">
+            <a:extLst>
+              <a:ext uri="{FF2B5EF4-FFF2-40B4-BE49-F238E27FC236}">
+                <a16:creationId xmlns:a16="http://schemas.microsoft.com/office/drawing/2014/main" id="{3BB65A6E-880F-4C4C-B751-6E6B5C3D876B}"/>
+              </a:ext>
+            </a:extLst>
+          </p:cNvPr>
+          <p:cNvSpPr/>
+          <p:nvPr/>
+        </p:nvSpPr>
+        <p:spPr>
+          <a:xfrm>
+            <a:off x="-29632" y="1623253"/>
+            <a:ext cx="12251266" cy="3611491"/>
+          </a:xfrm>
+          <a:prstGeom prst="rect">
+            <a:avLst/>
+          </a:prstGeom>
+          <a:noFill/>
+          <a:ln w="38100">
+            <a:solidFill>
+              <a:schemeClr val="bg1"/>
+            </a:solidFill>
+          </a:ln>
+        </p:spPr>
+        <p:style>
+          <a:lnRef idx="2">
+            <a:schemeClr val="accent1">
+              <a:shade val="50000"/>
+            </a:schemeClr>
+          </a:lnRef>
+          <a:fillRef idx="1">
+            <a:schemeClr val="accent1"/>
+          </a:fillRef>
+          <a:effectRef idx="0">
+            <a:schemeClr val="accent1"/>
+          </a:effectRef>
+          <a:fontRef idx="minor">
+            <a:schemeClr val="lt1"/>
+          </a:fontRef>
+        </p:style>
+        <p:txBody>
+          <a:bodyPr rtlCol="0" anchor="ctr"/>
+          <a:lstStyle/>
+          <a:p>
+            <a:pPr algn="ctr"/>
+            <a:endParaRPr lang="zh-CN" altLang="en-US"/>
+          </a:p>
+        </p:txBody>
+      </p:sp>
+      <p:sp>
+        <p:nvSpPr>
+          <p:cNvPr id="2" name="文本框 1">
+            <a:extLst>
+              <a:ext uri="{FF2B5EF4-FFF2-40B4-BE49-F238E27FC236}">
+                <a16:creationId xmlns:a16="http://schemas.microsoft.com/office/drawing/2014/main" id="{F63653B6-B13E-43E9-A4E6-84D8707D8B81}"/>
+              </a:ext>
+            </a:extLst>
+          </p:cNvPr>
+          <p:cNvSpPr txBox="1"/>
+          <p:nvPr/>
+        </p:nvSpPr>
+        <p:spPr>
+          <a:xfrm>
+            <a:off x="5420078" y="588065"/>
+            <a:ext cx="1667934" cy="400110"/>
+          </a:xfrm>
+          <a:prstGeom prst="rect">
+            <a:avLst/>
+          </a:prstGeom>
+          <a:noFill/>
+        </p:spPr>
+        <p:txBody>
+          <a:bodyPr wrap="square" rtlCol="0">
+            <a:spAutoFit/>
+          </a:bodyPr>
+          <a:lstStyle/>
+          <a:p>
+            <a:r>
+              <a:rPr lang="zh-CN" altLang="en-US" sz="2000" b="1" dirty="0">
+                <a:solidFill>
+                  <a:schemeClr val="bg1"/>
+                </a:solidFill>
+              </a:rPr>
+              <a:t>复合封面</a:t>
+            </a:r>
+          </a:p>
+        </p:txBody>
+      </p:sp>
+      <p:sp>
+        <p:nvSpPr>
+          <p:cNvPr id="5" name="矩形 4">
+            <a:extLst>
+              <a:ext uri="{FF2B5EF4-FFF2-40B4-BE49-F238E27FC236}">
+                <a16:creationId xmlns:a16="http://schemas.microsoft.com/office/drawing/2014/main" id="{78D5E1D5-1000-455C-97A7-BBAF0EC9A5EC}"/>
+              </a:ext>
+            </a:extLst>
+          </p:cNvPr>
+          <p:cNvSpPr/>
+          <p:nvPr/>
+        </p:nvSpPr>
+        <p:spPr>
+          <a:xfrm>
+            <a:off x="923648" y="-171932"/>
+            <a:ext cx="10332000" cy="7200000"/>
+          </a:xfrm>
+          <a:prstGeom prst="rect">
+            <a:avLst/>
+          </a:prstGeom>
+          <a:noFill/>
+          <a:ln w="38100">
+            <a:solidFill>
+              <a:schemeClr val="bg1"/>
+            </a:solidFill>
+          </a:ln>
+        </p:spPr>
+        <p:style>
+          <a:lnRef idx="2">
+            <a:schemeClr val="accent1">
+              <a:shade val="50000"/>
+            </a:schemeClr>
+          </a:lnRef>
+          <a:fillRef idx="1">
+            <a:schemeClr val="accent1"/>
+          </a:fillRef>
+          <a:effectRef idx="0">
+            <a:schemeClr val="accent1"/>
+          </a:effectRef>
+          <a:fontRef idx="minor">
+            <a:schemeClr val="lt1"/>
+          </a:fontRef>
+        </p:style>
+        <p:txBody>
+          <a:bodyPr rtlCol="0" anchor="ctr"/>
+          <a:lstStyle/>
+          <a:p>
+            <a:pPr algn="ctr"/>
+            <a:endParaRPr lang="zh-CN" altLang="en-US"/>
+          </a:p>
+        </p:txBody>
+      </p:sp>
+      <p:sp>
+        <p:nvSpPr>
+          <p:cNvPr id="7" name="矩形 6">
+            <a:extLst>
+              <a:ext uri="{FF2B5EF4-FFF2-40B4-BE49-F238E27FC236}">
+                <a16:creationId xmlns:a16="http://schemas.microsoft.com/office/drawing/2014/main" id="{2F7FB2E1-2BA4-4984-A6C8-8BB09ABC93F3}"/>
+              </a:ext>
+            </a:extLst>
+          </p:cNvPr>
+          <p:cNvSpPr/>
+          <p:nvPr/>
+        </p:nvSpPr>
+        <p:spPr>
+          <a:xfrm>
+            <a:off x="-29633" y="296068"/>
+            <a:ext cx="12251266" cy="6264000"/>
+          </a:xfrm>
+          <a:prstGeom prst="rect">
+            <a:avLst/>
+          </a:prstGeom>
+          <a:noFill/>
+          <a:ln w="38100">
+            <a:solidFill>
+              <a:schemeClr val="bg1"/>
+            </a:solidFill>
+          </a:ln>
+        </p:spPr>
+        <p:style>
+          <a:lnRef idx="2">
+            <a:schemeClr val="accent1">
+              <a:shade val="50000"/>
+            </a:schemeClr>
+          </a:lnRef>
+          <a:fillRef idx="1">
+            <a:schemeClr val="accent1"/>
+          </a:fillRef>
+          <a:effectRef idx="0">
+            <a:schemeClr val="accent1"/>
+          </a:effectRef>
+          <a:fontRef idx="minor">
+            <a:schemeClr val="lt1"/>
+          </a:fontRef>
+        </p:style>
+        <p:txBody>
+          <a:bodyPr rtlCol="0" anchor="ctr"/>
+          <a:lstStyle/>
+          <a:p>
+            <a:pPr algn="ctr"/>
+            <a:endParaRPr lang="zh-CN" altLang="en-US"/>
+          </a:p>
+        </p:txBody>
+      </p:sp>
+    </p:spTree>
+    <p:extLst>
+      <p:ext uri="{BB962C8B-B14F-4D97-AF65-F5344CB8AC3E}">
         <p14:creationId xmlns:p14="http://schemas.microsoft.com/office/powerpoint/2010/main" val="3949406825"/>
       </p:ext>
     </p:extLst>
@@ -6087,7 +6333,7 @@
 </p:sld>
 </file>
 
-<file path=ppt/slides/slide8.xml><?xml version="1.0" encoding="utf-8"?>
+<file path=ppt/slides/slide9.xml><?xml version="1.0" encoding="utf-8"?>
 <p:sld xmlns:a="http://schemas.openxmlformats.org/drawingml/2006/main" xmlns:r="http://schemas.openxmlformats.org/officeDocument/2006/relationships" xmlns:p="http://schemas.openxmlformats.org/presentationml/2006/main">
   <p:cSld>
     <p:bg>
